--- a/รายงาน/MEANSTACK.pptx
+++ b/รายงาน/MEANSTACK.pptx
@@ -109,6 +109,11 @@
       </a:defRPr>
     </a:lvl9pPr>
   </p:defaultTextStyle>
+  <p:extLst>
+    <p:ext uri="{EFAFB233-063F-42B5-8137-9DF3F51BA10A}">
+      <p15:sldGuideLst xmlns:p15="http://schemas.microsoft.com/office/powerpoint/2012/main"/>
+    </p:ext>
+  </p:extLst>
 </p:presentation>
 </file>
 
@@ -261,7 +266,7 @@
           <a:p>
             <a:fld id="{EB08C8C1-AB5A-4A20-B649-8F8CCA3849A3}" type="datetimeFigureOut">
               <a:rPr lang="en-US" smtClean="0"/>
-              <a:t>8/7/2019</a:t>
+              <a:t>08-Aug-19</a:t>
             </a:fld>
             <a:endParaRPr lang="en-US"/>
           </a:p>
@@ -461,7 +466,7 @@
           <a:p>
             <a:fld id="{EB08C8C1-AB5A-4A20-B649-8F8CCA3849A3}" type="datetimeFigureOut">
               <a:rPr lang="en-US" smtClean="0"/>
-              <a:t>8/7/2019</a:t>
+              <a:t>08-Aug-19</a:t>
             </a:fld>
             <a:endParaRPr lang="en-US"/>
           </a:p>
@@ -671,7 +676,7 @@
           <a:p>
             <a:fld id="{EB08C8C1-AB5A-4A20-B649-8F8CCA3849A3}" type="datetimeFigureOut">
               <a:rPr lang="en-US" smtClean="0"/>
-              <a:t>8/7/2019</a:t>
+              <a:t>08-Aug-19</a:t>
             </a:fld>
             <a:endParaRPr lang="en-US"/>
           </a:p>
@@ -871,7 +876,7 @@
           <a:p>
             <a:fld id="{EB08C8C1-AB5A-4A20-B649-8F8CCA3849A3}" type="datetimeFigureOut">
               <a:rPr lang="en-US" smtClean="0"/>
-              <a:t>8/7/2019</a:t>
+              <a:t>08-Aug-19</a:t>
             </a:fld>
             <a:endParaRPr lang="en-US"/>
           </a:p>
@@ -1147,7 +1152,7 @@
           <a:p>
             <a:fld id="{EB08C8C1-AB5A-4A20-B649-8F8CCA3849A3}" type="datetimeFigureOut">
               <a:rPr lang="en-US" smtClean="0"/>
-              <a:t>8/7/2019</a:t>
+              <a:t>08-Aug-19</a:t>
             </a:fld>
             <a:endParaRPr lang="en-US"/>
           </a:p>
@@ -1415,7 +1420,7 @@
           <a:p>
             <a:fld id="{EB08C8C1-AB5A-4A20-B649-8F8CCA3849A3}" type="datetimeFigureOut">
               <a:rPr lang="en-US" smtClean="0"/>
-              <a:t>8/7/2019</a:t>
+              <a:t>08-Aug-19</a:t>
             </a:fld>
             <a:endParaRPr lang="en-US"/>
           </a:p>
@@ -1830,7 +1835,7 @@
           <a:p>
             <a:fld id="{EB08C8C1-AB5A-4A20-B649-8F8CCA3849A3}" type="datetimeFigureOut">
               <a:rPr lang="en-US" smtClean="0"/>
-              <a:t>8/7/2019</a:t>
+              <a:t>08-Aug-19</a:t>
             </a:fld>
             <a:endParaRPr lang="en-US"/>
           </a:p>
@@ -1972,7 +1977,7 @@
           <a:p>
             <a:fld id="{EB08C8C1-AB5A-4A20-B649-8F8CCA3849A3}" type="datetimeFigureOut">
               <a:rPr lang="en-US" smtClean="0"/>
-              <a:t>8/7/2019</a:t>
+              <a:t>08-Aug-19</a:t>
             </a:fld>
             <a:endParaRPr lang="en-US"/>
           </a:p>
@@ -2085,7 +2090,7 @@
           <a:p>
             <a:fld id="{EB08C8C1-AB5A-4A20-B649-8F8CCA3849A3}" type="datetimeFigureOut">
               <a:rPr lang="en-US" smtClean="0"/>
-              <a:t>8/7/2019</a:t>
+              <a:t>08-Aug-19</a:t>
             </a:fld>
             <a:endParaRPr lang="en-US"/>
           </a:p>
@@ -2398,7 +2403,7 @@
           <a:p>
             <a:fld id="{EB08C8C1-AB5A-4A20-B649-8F8CCA3849A3}" type="datetimeFigureOut">
               <a:rPr lang="en-US" smtClean="0"/>
-              <a:t>8/7/2019</a:t>
+              <a:t>08-Aug-19</a:t>
             </a:fld>
             <a:endParaRPr lang="en-US"/>
           </a:p>
@@ -2687,7 +2692,7 @@
           <a:p>
             <a:fld id="{EB08C8C1-AB5A-4A20-B649-8F8CCA3849A3}" type="datetimeFigureOut">
               <a:rPr lang="en-US" smtClean="0"/>
-              <a:t>8/7/2019</a:t>
+              <a:t>08-Aug-19</a:t>
             </a:fld>
             <a:endParaRPr lang="en-US"/>
           </a:p>
@@ -2930,7 +2935,7 @@
           <a:p>
             <a:fld id="{EB08C8C1-AB5A-4A20-B649-8F8CCA3849A3}" type="datetimeFigureOut">
               <a:rPr lang="en-US" smtClean="0"/>
-              <a:t>8/7/2019</a:t>
+              <a:t>08-Aug-19</a:t>
             </a:fld>
             <a:endParaRPr lang="en-US"/>
           </a:p>
@@ -3376,8 +3381,8 @@
         </p:blipFill>
         <p:spPr bwMode="auto">
           <a:xfrm>
-            <a:off x="222068" y="1762534"/>
-            <a:ext cx="2206398" cy="2206398"/>
+            <a:off x="4472606" y="1457734"/>
+            <a:ext cx="3246788" cy="3246788"/>
           </a:xfrm>
           <a:prstGeom prst="rect">
             <a:avLst/>
@@ -3424,6 +3429,41 @@
           <a:chExt cx="0" cy="0"/>
         </a:xfrm>
       </p:grpSpPr>
+      <p:sp>
+        <p:nvSpPr>
+          <p:cNvPr id="2" name="TextBox 1">
+            <a:extLst>
+              <a:ext uri="{FF2B5EF4-FFF2-40B4-BE49-F238E27FC236}">
+                <a16:creationId xmlns:a16="http://schemas.microsoft.com/office/drawing/2014/main" id="{CE040C0D-AD95-4AA6-97EB-C026FBC3B2D9}"/>
+              </a:ext>
+            </a:extLst>
+          </p:cNvPr>
+          <p:cNvSpPr txBox="1"/>
+          <p:nvPr/>
+        </p:nvSpPr>
+        <p:spPr>
+          <a:xfrm>
+            <a:off x="3910754" y="2644170"/>
+            <a:ext cx="4370492" cy="1569660"/>
+          </a:xfrm>
+          <a:prstGeom prst="rect">
+            <a:avLst/>
+          </a:prstGeom>
+          <a:noFill/>
+        </p:spPr>
+        <p:txBody>
+          <a:bodyPr wrap="none" rtlCol="0">
+            <a:spAutoFit/>
+          </a:bodyPr>
+          <a:lstStyle/>
+          <a:p>
+            <a:r>
+              <a:rPr lang="en-US" sz="9600" dirty="0"/>
+              <a:t>backend</a:t>
+            </a:r>
+          </a:p>
+        </p:txBody>
+      </p:sp>
     </p:spTree>
     <p:extLst>
       <p:ext uri="{BB962C8B-B14F-4D97-AF65-F5344CB8AC3E}">
@@ -3454,6 +3494,137 @@
           <a:chExt cx="0" cy="0"/>
         </a:xfrm>
       </p:grpSpPr>
+      <p:sp>
+        <p:nvSpPr>
+          <p:cNvPr id="2" name="Rectangle 1">
+            <a:extLst>
+              <a:ext uri="{FF2B5EF4-FFF2-40B4-BE49-F238E27FC236}">
+                <a16:creationId xmlns:a16="http://schemas.microsoft.com/office/drawing/2014/main" id="{B81B6F74-4748-4FE8-A5AF-89E22115381A}"/>
+              </a:ext>
+            </a:extLst>
+          </p:cNvPr>
+          <p:cNvSpPr>
+            <a:spLocks noChangeArrowheads="1"/>
+          </p:cNvSpPr>
+          <p:nvPr/>
+        </p:nvSpPr>
+        <p:spPr bwMode="auto">
+          <a:xfrm>
+            <a:off x="543339" y="202602"/>
+            <a:ext cx="2054087" cy="820624"/>
+          </a:xfrm>
+          <a:prstGeom prst="rect">
+            <a:avLst/>
+          </a:prstGeom>
+          <a:noFill/>
+          <a:ln>
+            <a:noFill/>
+          </a:ln>
+          <a:effectLst/>
+          <a:extLst>
+            <a:ext uri="{909E8E84-426E-40DD-AFC4-6F175D3DCCD1}">
+              <a14:hiddenFill xmlns:a14="http://schemas.microsoft.com/office/drawing/2010/main">
+                <a:solidFill>
+                  <a:schemeClr val="accent1"/>
+                </a:solidFill>
+              </a14:hiddenFill>
+            </a:ext>
+            <a:ext uri="{91240B29-F687-4F45-9708-019B960494DF}">
+              <a14:hiddenLine xmlns:a14="http://schemas.microsoft.com/office/drawing/2010/main" w="9525">
+                <a:solidFill>
+                  <a:schemeClr val="tx1"/>
+                </a:solidFill>
+                <a:miter lim="800000"/>
+                <a:headEnd/>
+                <a:tailEnd/>
+              </a14:hiddenLine>
+            </a:ext>
+            <a:ext uri="{AF507438-7753-43E0-B8FC-AC1667EBCBE1}">
+              <a14:hiddenEffects xmlns:a14="http://schemas.microsoft.com/office/drawing/2010/main">
+                <a:effectLst>
+                  <a:outerShdw dist="35921" dir="2700000" algn="ctr" rotWithShape="0">
+                    <a:schemeClr val="bg2"/>
+                  </a:outerShdw>
+                </a:effectLst>
+              </a14:hiddenEffects>
+            </a:ext>
+          </a:extLst>
+        </p:spPr>
+        <p:txBody>
+          <a:bodyPr vert="horz" wrap="square" lIns="0" tIns="355488" rIns="0" bIns="0" numCol="1" anchor="ctr" anchorCtr="0" compatLnSpc="1">
+            <a:prstTxWarp prst="textNoShape">
+              <a:avLst/>
+            </a:prstTxWarp>
+            <a:spAutoFit/>
+          </a:bodyPr>
+          <a:lstStyle/>
+          <a:p>
+            <a:pPr marL="0" marR="0" lvl="0" indent="0" algn="l" defTabSz="914400" rtl="0" eaLnBrk="0" fontAlgn="base" latinLnBrk="0" hangingPunct="0">
+              <a:lnSpc>
+                <a:spcPct val="100000"/>
+              </a:lnSpc>
+              <a:spcBef>
+                <a:spcPct val="0"/>
+              </a:spcBef>
+              <a:spcAft>
+                <a:spcPct val="0"/>
+              </a:spcAft>
+              <a:buClrTx/>
+              <a:buSzTx/>
+              <a:buFontTx/>
+              <a:buNone/>
+              <a:tabLst/>
+            </a:pPr>
+            <a:r>
+              <a:rPr kumimoji="0" lang="en-US" altLang="en-US" sz="1200" b="0" i="0" u="none" strike="noStrike" cap="none" normalizeH="0" baseline="0" dirty="0" err="1">
+                <a:ln>
+                  <a:noFill/>
+                </a:ln>
+                <a:solidFill>
+                  <a:schemeClr val="tx1"/>
+                </a:solidFill>
+                <a:effectLst/>
+                <a:latin typeface="Menlo"/>
+              </a:rPr>
+              <a:t>npm</a:t>
+            </a:r>
+            <a:r>
+              <a:rPr kumimoji="0" lang="en-US" altLang="en-US" sz="1200" b="0" i="0" u="none" strike="noStrike" cap="none" normalizeH="0" baseline="0" dirty="0">
+                <a:ln>
+                  <a:noFill/>
+                </a:ln>
+                <a:solidFill>
+                  <a:schemeClr val="tx1"/>
+                </a:solidFill>
+                <a:effectLst/>
+                <a:latin typeface="Menlo"/>
+              </a:rPr>
+              <a:t> install express --save</a:t>
+            </a:r>
+            <a:br>
+              <a:rPr kumimoji="0" lang="en-US" altLang="en-US" sz="800" b="0" i="0" u="none" strike="noStrike" cap="none" normalizeH="0" baseline="0" dirty="0">
+                <a:ln>
+                  <a:noFill/>
+                </a:ln>
+                <a:solidFill>
+                  <a:schemeClr val="tx1"/>
+                </a:solidFill>
+                <a:effectLst/>
+              </a:rPr>
+            </a:br>
+            <a:endParaRPr kumimoji="0" lang="en-US" altLang="en-US" sz="1800" b="0" i="0" u="none" strike="noStrike" cap="none" normalizeH="0" baseline="0" dirty="0">
+              <a:ln>
+                <a:noFill/>
+              </a:ln>
+              <a:solidFill>
+                <a:schemeClr val="tx1"/>
+              </a:solidFill>
+              <a:effectLst/>
+              <a:latin typeface="Arial" panose="020B0604020202020204" pitchFamily="34" charset="0"/>
+            </a:endParaRPr>
+          </a:p>
+        </p:txBody>
+      </p:sp>
     </p:spTree>
     <p:extLst>
       <p:ext uri="{BB962C8B-B14F-4D97-AF65-F5344CB8AC3E}">
